--- a/tp2/presentation/slides.pptx
+++ b/tp2/presentation/slides.pptx
@@ -9788,7 +9788,88 @@
                 </a:solidFill>
                 <a:latin typeface="Consolas" panose="020B0609020204030204" pitchFamily="49" charset="0"/>
               </a:rPr>
-              <a:t>_:</a:t>
+              <a:t>_ </a:t>
+            </a:r>
+            <a:r>
+              <a:rPr lang="en-US" sz="1200" b="1" dirty="0">
+                <a:solidFill>
+                  <a:srgbClr val="0000FF"/>
+                </a:solidFill>
+                <a:latin typeface="Consolas" panose="020B0609020204030204" pitchFamily="49" charset="0"/>
+              </a:rPr>
+              <a:t>and</a:t>
+            </a:r>
+            <a:r>
+              <a:rPr lang="en-US" sz="1200" b="1" dirty="0">
+                <a:solidFill>
+                  <a:srgbClr val="000000"/>
+                </a:solidFill>
+                <a:latin typeface="Consolas" panose="020B0609020204030204" pitchFamily="49" charset="0"/>
+              </a:rPr>
+              <a:t> </a:t>
+            </a:r>
+            <a:r>
+              <a:rPr lang="en-US" sz="1200" b="1" dirty="0">
+                <a:solidFill>
+                  <a:srgbClr val="0000FF"/>
+                </a:solidFill>
+                <a:latin typeface="Consolas" panose="020B0609020204030204" pitchFamily="49" charset="0"/>
+              </a:rPr>
+              <a:t>not</a:t>
+            </a:r>
+            <a:r>
+              <a:rPr lang="en-US" sz="1200" b="1" dirty="0">
+                <a:solidFill>
+                  <a:srgbClr val="000000"/>
+                </a:solidFill>
+                <a:latin typeface="Consolas" panose="020B0609020204030204" pitchFamily="49" charset="0"/>
+              </a:rPr>
+              <a:t> </a:t>
+            </a:r>
+            <a:r>
+              <a:rPr lang="en-US" sz="1200" b="1" dirty="0" err="1">
+                <a:solidFill>
+                  <a:srgbClr val="267F99"/>
+                </a:solidFill>
+                <a:latin typeface="Consolas" panose="020B0609020204030204" pitchFamily="49" charset="0"/>
+              </a:rPr>
+              <a:t>str</a:t>
+            </a:r>
+            <a:r>
+              <a:rPr lang="en-US" sz="1200" b="1" dirty="0">
+                <a:solidFill>
+                  <a:srgbClr val="000000"/>
+                </a:solidFill>
+                <a:latin typeface="Consolas" panose="020B0609020204030204" pitchFamily="49" charset="0"/>
+              </a:rPr>
+              <a:t>(word).</a:t>
+            </a:r>
+            <a:r>
+              <a:rPr lang="en-US" sz="1200" b="1" dirty="0" err="1">
+                <a:solidFill>
+                  <a:srgbClr val="000000"/>
+                </a:solidFill>
+                <a:latin typeface="Consolas" panose="020B0609020204030204" pitchFamily="49" charset="0"/>
+              </a:rPr>
+              <a:t>isspace</a:t>
+            </a:r>
+            <a:r>
+              <a:rPr lang="en-US" sz="1200" b="1" dirty="0">
+                <a:solidFill>
+                  <a:srgbClr val="000000"/>
+                </a:solidFill>
+                <a:latin typeface="Consolas" panose="020B0609020204030204" pitchFamily="49" charset="0"/>
+              </a:rPr>
+              <a:t>()</a:t>
+            </a:r>
+            <a:r>
+              <a:rPr lang="pt-PT" sz="1200" b="1" dirty="0">
+                <a:solidFill>
+                  <a:srgbClr val="000000"/>
+                </a:solidFill>
+                <a:latin typeface="Consolas" panose="020B0609020204030204" pitchFamily="49" charset="0"/>
+              </a:rPr>
+              <a:t>:</a:t>
             </a:r>
           </a:p>
           <a:p>
